--- a/PPTS/Explicacion de la app.pptx
+++ b/PPTS/Explicacion de la app.pptx
@@ -105,6 +105,11 @@
       </a:defRPr>
     </a:lvl9pPr>
   </p:defaultTextStyle>
+  <p:extLst>
+    <p:ext uri="{EFAFB233-063F-42B5-8137-9DF3F51BA10A}">
+      <p15:sldGuideLst xmlns:p15="http://schemas.microsoft.com/office/powerpoint/2012/main"/>
+    </p:ext>
+  </p:extLst>
 </p:presentation>
 </file>
 
@@ -935,12 +940,16 @@
       </dgm:t>
     </dgm:pt>
     <dgm:pt modelId="{7703AC7D-7627-48AA-BF50-1DEDC16D7D91}">
-      <dgm:prSet phldrT="[Text]" phldr="1"/>
+      <dgm:prSet phldrT="[Text]"/>
       <dgm:spPr/>
       <dgm:t>
         <a:bodyPr/>
         <a:lstStyle/>
         <a:p>
+          <a:r>
+            <a:rPr lang="es-ES_tradnl" dirty="0" err="1" smtClean="0"/>
+            <a:t>BookWS</a:t>
+          </a:r>
           <a:endParaRPr lang="en-US" dirty="0"/>
         </a:p>
       </dgm:t>
@@ -963,18 +972,30 @@
         <a:bodyPr/>
         <a:lstStyle/>
         <a:p>
-          <a:endParaRPr lang="en-US"/>
+          <a:r>
+            <a:rPr lang="es-ES_tradnl" dirty="0" err="1" smtClean="0"/>
+            <a:t>findAllBooks</a:t>
+          </a:r>
+          <a:r>
+            <a:rPr lang="es-ES_tradnl" dirty="0" smtClean="0"/>
+            <a:t>()</a:t>
+          </a:r>
+          <a:endParaRPr lang="en-US" dirty="0"/>
         </a:p>
       </dgm:t>
     </dgm:pt>
     <dgm:pt modelId="{16DD3F1C-A6F8-47D3-BA57-675D1A413B75}">
-      <dgm:prSet phldrT="[Text]" phldr="1"/>
+      <dgm:prSet phldrT="[Text]"/>
       <dgm:spPr/>
       <dgm:t>
         <a:bodyPr/>
         <a:lstStyle/>
         <a:p>
-          <a:endParaRPr lang="en-US"/>
+          <a:r>
+            <a:rPr lang="es-ES_tradnl" dirty="0" err="1" smtClean="0"/>
+            <a:t>BookService</a:t>
+          </a:r>
+          <a:endParaRPr lang="en-US" dirty="0"/>
         </a:p>
       </dgm:t>
     </dgm:pt>
@@ -996,18 +1017,30 @@
         <a:bodyPr/>
         <a:lstStyle/>
         <a:p>
-          <a:endParaRPr lang="en-US"/>
+          <a:r>
+            <a:rPr lang="es-ES_tradnl" dirty="0" err="1" smtClean="0"/>
+            <a:t>findAll</a:t>
+          </a:r>
+          <a:r>
+            <a:rPr lang="es-ES_tradnl" dirty="0" smtClean="0"/>
+            <a:t>()</a:t>
+          </a:r>
+          <a:endParaRPr lang="en-US" dirty="0"/>
         </a:p>
       </dgm:t>
     </dgm:pt>
     <dgm:pt modelId="{0764DABC-4988-4E83-9D27-6C612E2653B9}">
-      <dgm:prSet phldrT="[Text]" phldr="1"/>
+      <dgm:prSet phldrT="[Text]"/>
       <dgm:spPr/>
       <dgm:t>
         <a:bodyPr/>
         <a:lstStyle/>
         <a:p>
-          <a:endParaRPr lang="en-US"/>
+          <a:r>
+            <a:rPr lang="es-ES_tradnl" dirty="0" err="1" smtClean="0"/>
+            <a:t>BookRepository</a:t>
+          </a:r>
+          <a:endParaRPr lang="en-US" dirty="0"/>
         </a:p>
       </dgm:t>
     </dgm:pt>
@@ -1029,22 +1062,34 @@
         <a:bodyPr/>
         <a:lstStyle/>
         <a:p>
-          <a:endParaRPr lang="en-US"/>
+          <a:r>
+            <a:rPr lang="es-ES_tradnl" dirty="0" err="1" smtClean="0"/>
+            <a:t>findAll</a:t>
+          </a:r>
+          <a:r>
+            <a:rPr lang="es-ES_tradnl" dirty="0" smtClean="0"/>
+            <a:t>()</a:t>
+          </a:r>
+          <a:endParaRPr lang="en-US" dirty="0"/>
         </a:p>
       </dgm:t>
     </dgm:pt>
-    <dgm:pt modelId="{EDB30B5B-9C38-4AE4-AC01-4A1C8FE4A29A}">
-      <dgm:prSet phldrT="[Text]" phldr="1"/>
+    <dgm:pt modelId="{84D5E899-B0A4-43A6-B223-6A74745C3DD0}">
+      <dgm:prSet phldrT="[Text]"/>
       <dgm:spPr/>
       <dgm:t>
         <a:bodyPr/>
         <a:lstStyle/>
         <a:p>
-          <a:endParaRPr lang="en-US"/>
+          <a:r>
+            <a:rPr lang="es-ES_tradnl" dirty="0" err="1" smtClean="0"/>
+            <a:t>BookDAO</a:t>
+          </a:r>
+          <a:endParaRPr lang="en-US" dirty="0"/>
         </a:p>
       </dgm:t>
     </dgm:pt>
-    <dgm:pt modelId="{D2ACA6F7-88A1-43E0-8962-1C8442A04967}" type="parTrans" cxnId="{262AB8BB-0ABE-4DB4-BF56-483CC7552502}">
+    <dgm:pt modelId="{0403FFE2-9798-490A-9583-C4C77117D92C}" type="parTrans" cxnId="{49753BEA-9113-42EB-9851-5BCFD553BE86}">
       <dgm:prSet/>
       <dgm:spPr/>
       <dgm:t>
@@ -1055,7 +1100,52 @@
         </a:p>
       </dgm:t>
     </dgm:pt>
-    <dgm:pt modelId="{21BBBBD4-AEA5-4735-89AC-862479BB044B}" type="sibTrans" cxnId="{262AB8BB-0ABE-4DB4-BF56-483CC7552502}">
+    <dgm:pt modelId="{895E128C-A5F0-4683-B3D9-17A5C3B0BD55}" type="sibTrans" cxnId="{49753BEA-9113-42EB-9851-5BCFD553BE86}">
+      <dgm:prSet/>
+      <dgm:spPr/>
+      <dgm:t>
+        <a:bodyPr/>
+        <a:lstStyle/>
+        <a:p>
+          <a:r>
+            <a:rPr lang="es-ES_tradnl" dirty="0" smtClean="0"/>
+            <a:t>SELECT * FROM </a:t>
+          </a:r>
+          <a:r>
+            <a:rPr lang="es-ES_tradnl" dirty="0" err="1" smtClean="0"/>
+            <a:t>books</a:t>
+          </a:r>
+          <a:endParaRPr lang="en-US" dirty="0"/>
+        </a:p>
+      </dgm:t>
+    </dgm:pt>
+    <dgm:pt modelId="{E14C6B11-9E69-4BC7-AEE0-6EC9CF20AF87}">
+      <dgm:prSet/>
+      <dgm:spPr/>
+      <dgm:t>
+        <a:bodyPr/>
+        <a:lstStyle/>
+        <a:p>
+          <a:r>
+            <a:rPr lang="es-ES_tradnl" dirty="0" smtClean="0"/>
+            <a:t>BASE DE DATOS</a:t>
+          </a:r>
+          <a:endParaRPr lang="en-US" dirty="0"/>
+        </a:p>
+      </dgm:t>
+    </dgm:pt>
+    <dgm:pt modelId="{5C923AB1-59F2-4986-B504-004979660F31}" type="parTrans" cxnId="{D8A00F18-C6DD-4134-9099-FA2865724BC5}">
+      <dgm:prSet/>
+      <dgm:spPr/>
+      <dgm:t>
+        <a:bodyPr/>
+        <a:lstStyle/>
+        <a:p>
+          <a:endParaRPr lang="en-US"/>
+        </a:p>
+      </dgm:t>
+    </dgm:pt>
+    <dgm:pt modelId="{72B24B98-2746-4468-853D-85A0838FF80C}" type="sibTrans" cxnId="{D8A00F18-C6DD-4134-9099-FA2865724BC5}">
       <dgm:prSet/>
       <dgm:spPr/>
       <dgm:t>
@@ -1074,17 +1164,31 @@
         </dgm:presLayoutVars>
       </dgm:prSet>
       <dgm:spPr/>
+      <dgm:t>
+        <a:bodyPr/>
+        <a:lstStyle/>
+        <a:p>
+          <a:endParaRPr lang="en-US"/>
+        </a:p>
+      </dgm:t>
     </dgm:pt>
     <dgm:pt modelId="{F680135F-FB83-4C06-91FC-3A29DC63396C}" type="pres">
-      <dgm:prSet presAssocID="{4B3393CD-BE25-4520-B303-8BAD23F50CE0}" presName="node" presStyleLbl="node1" presStyleIdx="0" presStyleCnt="5" custScaleX="79737" custScaleY="56871" custLinFactNeighborX="-46181">
+      <dgm:prSet presAssocID="{4B3393CD-BE25-4520-B303-8BAD23F50CE0}" presName="node" presStyleLbl="node1" presStyleIdx="0" presStyleCnt="6" custScaleX="79737" custScaleY="44689" custLinFactX="-6246" custLinFactNeighborX="-100000" custLinFactNeighborY="-39224">
         <dgm:presLayoutVars>
           <dgm:bulletEnabled val="1"/>
         </dgm:presLayoutVars>
       </dgm:prSet>
       <dgm:spPr/>
+      <dgm:t>
+        <a:bodyPr/>
+        <a:lstStyle/>
+        <a:p>
+          <a:endParaRPr lang="en-US"/>
+        </a:p>
+      </dgm:t>
     </dgm:pt>
     <dgm:pt modelId="{00C08AC9-1D4E-4798-A062-2CC79FC0B56F}" type="pres">
-      <dgm:prSet presAssocID="{3B76D8E7-67CF-4CB2-BF09-7B700E7E5D12}" presName="sibTrans" presStyleLbl="sibTrans2D1" presStyleIdx="0" presStyleCnt="4" custScaleX="169362" custLinFactNeighborX="4540" custLinFactNeighborY="3481"/>
+      <dgm:prSet presAssocID="{3B76D8E7-67CF-4CB2-BF09-7B700E7E5D12}" presName="sibTrans" presStyleLbl="sibTrans2D1" presStyleIdx="0" presStyleCnt="5" custScaleX="169362" custScaleY="68547" custLinFactNeighborX="4540" custLinFactNeighborY="3481"/>
       <dgm:spPr/>
       <dgm:t>
         <a:bodyPr/>
@@ -1095,7 +1199,7 @@
       </dgm:t>
     </dgm:pt>
     <dgm:pt modelId="{79A966BC-6822-4F1F-8DDB-931C03225B4B}" type="pres">
-      <dgm:prSet presAssocID="{3B76D8E7-67CF-4CB2-BF09-7B700E7E5D12}" presName="connectorText" presStyleLbl="sibTrans2D1" presStyleIdx="0" presStyleCnt="4"/>
+      <dgm:prSet presAssocID="{3B76D8E7-67CF-4CB2-BF09-7B700E7E5D12}" presName="connectorText" presStyleLbl="sibTrans2D1" presStyleIdx="0" presStyleCnt="5"/>
       <dgm:spPr/>
       <dgm:t>
         <a:bodyPr/>
@@ -1106,82 +1210,179 @@
       </dgm:t>
     </dgm:pt>
     <dgm:pt modelId="{BC696920-5112-47F6-BE4D-E1EB1973835F}" type="pres">
-      <dgm:prSet presAssocID="{7703AC7D-7627-48AA-BF50-1DEDC16D7D91}" presName="node" presStyleLbl="node1" presStyleIdx="1" presStyleCnt="5" custScaleX="93247" custLinFactNeighborX="65366" custLinFactNeighborY="-1606">
+      <dgm:prSet presAssocID="{7703AC7D-7627-48AA-BF50-1DEDC16D7D91}" presName="node" presStyleLbl="node1" presStyleIdx="1" presStyleCnt="6" custScaleX="78572" custScaleY="41477" custLinFactX="21678" custLinFactNeighborX="100000" custLinFactNeighborY="-42614">
         <dgm:presLayoutVars>
           <dgm:bulletEnabled val="1"/>
         </dgm:presLayoutVars>
       </dgm:prSet>
       <dgm:spPr/>
+      <dgm:t>
+        <a:bodyPr/>
+        <a:lstStyle/>
+        <a:p>
+          <a:endParaRPr lang="en-US"/>
+        </a:p>
+      </dgm:t>
     </dgm:pt>
     <dgm:pt modelId="{914B1954-7982-4DED-A8D5-5875C703DF93}" type="pres">
-      <dgm:prSet presAssocID="{034CED5B-B964-4238-86DE-9425E8ACB288}" presName="sibTrans" presStyleLbl="sibTrans2D1" presStyleIdx="1" presStyleCnt="4"/>
+      <dgm:prSet presAssocID="{034CED5B-B964-4238-86DE-9425E8ACB288}" presName="sibTrans" presStyleLbl="sibTrans2D1" presStyleIdx="1" presStyleCnt="5" custScaleX="173738" custScaleY="62229" custLinFactNeighborX="-6641" custLinFactNeighborY="20558"/>
       <dgm:spPr/>
+      <dgm:t>
+        <a:bodyPr/>
+        <a:lstStyle/>
+        <a:p>
+          <a:endParaRPr lang="en-US"/>
+        </a:p>
+      </dgm:t>
     </dgm:pt>
     <dgm:pt modelId="{4E7053E0-5968-423E-9BAF-BE0FE864C6C7}" type="pres">
-      <dgm:prSet presAssocID="{034CED5B-B964-4238-86DE-9425E8ACB288}" presName="connectorText" presStyleLbl="sibTrans2D1" presStyleIdx="1" presStyleCnt="4"/>
+      <dgm:prSet presAssocID="{034CED5B-B964-4238-86DE-9425E8ACB288}" presName="connectorText" presStyleLbl="sibTrans2D1" presStyleIdx="1" presStyleCnt="5"/>
       <dgm:spPr/>
+      <dgm:t>
+        <a:bodyPr/>
+        <a:lstStyle/>
+        <a:p>
+          <a:endParaRPr lang="en-US"/>
+        </a:p>
+      </dgm:t>
     </dgm:pt>
     <dgm:pt modelId="{5866D430-EA1C-4910-9534-06E6848714EB}" type="pres">
-      <dgm:prSet presAssocID="{16DD3F1C-A6F8-47D3-BA57-675D1A413B75}" presName="node" presStyleLbl="node1" presStyleIdx="2" presStyleCnt="5" custLinFactX="-100000" custLinFactY="43867" custLinFactNeighborX="-142559" custLinFactNeighborY="100000">
+      <dgm:prSet presAssocID="{16DD3F1C-A6F8-47D3-BA57-675D1A413B75}" presName="node" presStyleLbl="node1" presStyleIdx="2" presStyleCnt="6" custScaleX="81665" custScaleY="54484" custLinFactX="-100000" custLinFactNeighborX="-138322" custLinFactNeighborY="43563">
         <dgm:presLayoutVars>
           <dgm:bulletEnabled val="1"/>
         </dgm:presLayoutVars>
       </dgm:prSet>
       <dgm:spPr/>
+      <dgm:t>
+        <a:bodyPr/>
+        <a:lstStyle/>
+        <a:p>
+          <a:endParaRPr lang="en-US"/>
+        </a:p>
+      </dgm:t>
     </dgm:pt>
     <dgm:pt modelId="{3C1528C3-2A53-4665-B9B1-9D10BDE5246C}" type="pres">
-      <dgm:prSet presAssocID="{131BA167-16C8-427D-BB30-8989EA4E70E5}" presName="sibTrans" presStyleLbl="sibTrans2D1" presStyleIdx="2" presStyleCnt="4"/>
+      <dgm:prSet presAssocID="{131BA167-16C8-427D-BB30-8989EA4E70E5}" presName="sibTrans" presStyleLbl="sibTrans2D1" presStyleIdx="2" presStyleCnt="5" custScaleX="148833" custScaleY="57210" custLinFactNeighborX="1129" custLinFactNeighborY="25007"/>
       <dgm:spPr/>
+      <dgm:t>
+        <a:bodyPr/>
+        <a:lstStyle/>
+        <a:p>
+          <a:endParaRPr lang="en-US"/>
+        </a:p>
+      </dgm:t>
     </dgm:pt>
     <dgm:pt modelId="{9834EF4A-D85A-496C-B5F4-813700D1B355}" type="pres">
-      <dgm:prSet presAssocID="{131BA167-16C8-427D-BB30-8989EA4E70E5}" presName="connectorText" presStyleLbl="sibTrans2D1" presStyleIdx="2" presStyleCnt="4"/>
+      <dgm:prSet presAssocID="{131BA167-16C8-427D-BB30-8989EA4E70E5}" presName="connectorText" presStyleLbl="sibTrans2D1" presStyleIdx="2" presStyleCnt="5"/>
       <dgm:spPr/>
+      <dgm:t>
+        <a:bodyPr/>
+        <a:lstStyle/>
+        <a:p>
+          <a:endParaRPr lang="en-US"/>
+        </a:p>
+      </dgm:t>
     </dgm:pt>
     <dgm:pt modelId="{9345B24A-55DC-4164-8C82-526C07E03E06}" type="pres">
-      <dgm:prSet presAssocID="{0764DABC-4988-4E83-9D27-6C612E2653B9}" presName="node" presStyleLbl="node1" presStyleIdx="3" presStyleCnt="5">
+      <dgm:prSet presAssocID="{0764DABC-4988-4E83-9D27-6C612E2653B9}" presName="node" presStyleLbl="node1" presStyleIdx="3" presStyleCnt="6" custScaleX="77454" custScaleY="53377" custLinFactNeighborX="13" custLinFactNeighborY="-88204">
         <dgm:presLayoutVars>
           <dgm:bulletEnabled val="1"/>
         </dgm:presLayoutVars>
       </dgm:prSet>
       <dgm:spPr/>
+      <dgm:t>
+        <a:bodyPr/>
+        <a:lstStyle/>
+        <a:p>
+          <a:endParaRPr lang="en-US"/>
+        </a:p>
+      </dgm:t>
     </dgm:pt>
     <dgm:pt modelId="{0F9723B7-0055-459E-A10D-E0CCDB016560}" type="pres">
-      <dgm:prSet presAssocID="{44E407CA-8519-439E-8A89-95F7E138FD9B}" presName="sibTrans" presStyleLbl="sibTrans2D1" presStyleIdx="3" presStyleCnt="4"/>
+      <dgm:prSet presAssocID="{44E407CA-8519-439E-8A89-95F7E138FD9B}" presName="sibTrans" presStyleLbl="sibTrans2D1" presStyleIdx="3" presStyleCnt="5" custScaleX="167030" custScaleY="57996" custLinFactNeighborX="-1463" custLinFactNeighborY="26689"/>
       <dgm:spPr/>
+      <dgm:t>
+        <a:bodyPr/>
+        <a:lstStyle/>
+        <a:p>
+          <a:endParaRPr lang="en-US"/>
+        </a:p>
+      </dgm:t>
     </dgm:pt>
     <dgm:pt modelId="{DF43D430-0F06-4181-9E7A-3A427B6E5D03}" type="pres">
-      <dgm:prSet presAssocID="{44E407CA-8519-439E-8A89-95F7E138FD9B}" presName="connectorText" presStyleLbl="sibTrans2D1" presStyleIdx="3" presStyleCnt="4"/>
+      <dgm:prSet presAssocID="{44E407CA-8519-439E-8A89-95F7E138FD9B}" presName="connectorText" presStyleLbl="sibTrans2D1" presStyleIdx="3" presStyleCnt="5"/>
       <dgm:spPr/>
+      <dgm:t>
+        <a:bodyPr/>
+        <a:lstStyle/>
+        <a:p>
+          <a:endParaRPr lang="en-US"/>
+        </a:p>
+      </dgm:t>
     </dgm:pt>
-    <dgm:pt modelId="{3DBD298A-F8B3-4E38-A680-3BE94B06B180}" type="pres">
-      <dgm:prSet presAssocID="{EDB30B5B-9C38-4AE4-AC01-4A1C8FE4A29A}" presName="node" presStyleLbl="node1" presStyleIdx="4" presStyleCnt="5">
+    <dgm:pt modelId="{7490BDB8-F1E2-4EB2-82E7-C08F9B9E534E}" type="pres">
+      <dgm:prSet presAssocID="{84D5E899-B0A4-43A6-B223-6A74745C3DD0}" presName="node" presStyleLbl="node1" presStyleIdx="4" presStyleCnt="6" custScaleX="75823" custScaleY="41433" custLinFactX="-26710" custLinFactNeighborX="-100000" custLinFactNeighborY="703">
         <dgm:presLayoutVars>
           <dgm:bulletEnabled val="1"/>
         </dgm:presLayoutVars>
       </dgm:prSet>
       <dgm:spPr/>
+      <dgm:t>
+        <a:bodyPr/>
+        <a:lstStyle/>
+        <a:p>
+          <a:endParaRPr lang="en-US"/>
+        </a:p>
+      </dgm:t>
+    </dgm:pt>
+    <dgm:pt modelId="{1FD05E88-9E09-4F15-B0F4-DD6A84F91FB2}" type="pres">
+      <dgm:prSet presAssocID="{895E128C-A5F0-4683-B3D9-17A5C3B0BD55}" presName="sibTrans" presStyleLbl="sibTrans2D1" presStyleIdx="4" presStyleCnt="5" custScaleX="137812" custScaleY="58712" custLinFactNeighborX="10501" custLinFactNeighborY="24453"/>
+      <dgm:spPr/>
+    </dgm:pt>
+    <dgm:pt modelId="{60429F7C-10D0-4D3F-8019-997E2BE29191}" type="pres">
+      <dgm:prSet presAssocID="{895E128C-A5F0-4683-B3D9-17A5C3B0BD55}" presName="connectorText" presStyleLbl="sibTrans2D1" presStyleIdx="4" presStyleCnt="5"/>
+      <dgm:spPr/>
+    </dgm:pt>
+    <dgm:pt modelId="{E8D2FA06-B903-4014-BFD9-BFAEAA6FFFAA}" type="pres">
+      <dgm:prSet presAssocID="{E14C6B11-9E69-4BC7-AEE0-6EC9CF20AF87}" presName="node" presStyleLbl="node1" presStyleIdx="5" presStyleCnt="6" custScaleX="77535" custScaleY="51332" custLinFactX="100000" custLinFactNeighborX="133290" custLinFactNeighborY="-3566">
+        <dgm:presLayoutVars>
+          <dgm:bulletEnabled val="1"/>
+        </dgm:presLayoutVars>
+      </dgm:prSet>
+      <dgm:spPr/>
+      <dgm:t>
+        <a:bodyPr/>
+        <a:lstStyle/>
+        <a:p>
+          <a:endParaRPr lang="en-US"/>
+        </a:p>
+      </dgm:t>
     </dgm:pt>
   </dgm:ptLst>
   <dgm:cxnLst>
+    <dgm:cxn modelId="{424AEF9F-1777-41A2-972C-80890D2C264D}" type="presOf" srcId="{16DD3F1C-A6F8-47D3-BA57-675D1A413B75}" destId="{5866D430-EA1C-4910-9534-06E6848714EB}" srcOrd="0" destOrd="0" presId="urn:microsoft.com/office/officeart/2005/8/layout/process5"/>
+    <dgm:cxn modelId="{C3861FA4-D69B-4D5F-9E76-323ACFF87FEC}" srcId="{F24FA211-3F2C-4346-ABD9-092692E7A9F4}" destId="{4B3393CD-BE25-4520-B303-8BAD23F50CE0}" srcOrd="0" destOrd="0" parTransId="{9BF9F86E-19D0-4D46-B788-9E0D0EE490C8}" sibTransId="{3B76D8E7-67CF-4CB2-BF09-7B700E7E5D12}"/>
+    <dgm:cxn modelId="{73520E53-F4B6-4F1E-90B5-18C455DEAE0D}" srcId="{F24FA211-3F2C-4346-ABD9-092692E7A9F4}" destId="{0764DABC-4988-4E83-9D27-6C612E2653B9}" srcOrd="3" destOrd="0" parTransId="{249F8ABC-18A8-43BD-9D5F-45C4BE804F85}" sibTransId="{44E407CA-8519-439E-8A89-95F7E138FD9B}"/>
+    <dgm:cxn modelId="{8A2B670C-109C-439B-B22E-CD967650E219}" type="presOf" srcId="{034CED5B-B964-4238-86DE-9425E8ACB288}" destId="{4E7053E0-5968-423E-9BAF-BE0FE864C6C7}" srcOrd="1" destOrd="0" presId="urn:microsoft.com/office/officeart/2005/8/layout/process5"/>
+    <dgm:cxn modelId="{48FA91D4-01A9-40D4-8BDF-5D6800672FC1}" type="presOf" srcId="{895E128C-A5F0-4683-B3D9-17A5C3B0BD55}" destId="{60429F7C-10D0-4D3F-8019-997E2BE29191}" srcOrd="1" destOrd="0" presId="urn:microsoft.com/office/officeart/2005/8/layout/process5"/>
+    <dgm:cxn modelId="{1154286F-CB43-4A2D-8655-A31A8ECD3D56}" type="presOf" srcId="{0764DABC-4988-4E83-9D27-6C612E2653B9}" destId="{9345B24A-55DC-4164-8C82-526C07E03E06}" srcOrd="0" destOrd="0" presId="urn:microsoft.com/office/officeart/2005/8/layout/process5"/>
+    <dgm:cxn modelId="{01D3D835-C68A-4833-8CC6-5F232904FA28}" type="presOf" srcId="{4B3393CD-BE25-4520-B303-8BAD23F50CE0}" destId="{F680135F-FB83-4C06-91FC-3A29DC63396C}" srcOrd="0" destOrd="0" presId="urn:microsoft.com/office/officeart/2005/8/layout/process5"/>
+    <dgm:cxn modelId="{0669D6EF-EFC6-403D-B7F8-6968C5DCBD86}" type="presOf" srcId="{3B76D8E7-67CF-4CB2-BF09-7B700E7E5D12}" destId="{79A966BC-6822-4F1F-8DDB-931C03225B4B}" srcOrd="1" destOrd="0" presId="urn:microsoft.com/office/officeart/2005/8/layout/process5"/>
+    <dgm:cxn modelId="{94AE4F5A-ABF2-47B2-B945-BA73C4FCCA2F}" type="presOf" srcId="{895E128C-A5F0-4683-B3D9-17A5C3B0BD55}" destId="{1FD05E88-9E09-4F15-B0F4-DD6A84F91FB2}" srcOrd="0" destOrd="0" presId="urn:microsoft.com/office/officeart/2005/8/layout/process5"/>
+    <dgm:cxn modelId="{05EF2D42-B22E-44CB-BCA8-0A624596CEC7}" srcId="{F24FA211-3F2C-4346-ABD9-092692E7A9F4}" destId="{16DD3F1C-A6F8-47D3-BA57-675D1A413B75}" srcOrd="2" destOrd="0" parTransId="{E5AE1A70-D04B-4C9F-9949-A16466860DE9}" sibTransId="{131BA167-16C8-427D-BB30-8989EA4E70E5}"/>
+    <dgm:cxn modelId="{10CCD57B-ABE5-4567-B2A1-877CBDF4C4EB}" type="presOf" srcId="{3B76D8E7-67CF-4CB2-BF09-7B700E7E5D12}" destId="{00C08AC9-1D4E-4798-A062-2CC79FC0B56F}" srcOrd="0" destOrd="0" presId="urn:microsoft.com/office/officeart/2005/8/layout/process5"/>
+    <dgm:cxn modelId="{CCF1DA2F-DEFA-41DB-9CE1-D784CE3D3ED9}" type="presOf" srcId="{84D5E899-B0A4-43A6-B223-6A74745C3DD0}" destId="{7490BDB8-F1E2-4EB2-82E7-C08F9B9E534E}" srcOrd="0" destOrd="0" presId="urn:microsoft.com/office/officeart/2005/8/layout/process5"/>
+    <dgm:cxn modelId="{49753BEA-9113-42EB-9851-5BCFD553BE86}" srcId="{F24FA211-3F2C-4346-ABD9-092692E7A9F4}" destId="{84D5E899-B0A4-43A6-B223-6A74745C3DD0}" srcOrd="4" destOrd="0" parTransId="{0403FFE2-9798-490A-9583-C4C77117D92C}" sibTransId="{895E128C-A5F0-4683-B3D9-17A5C3B0BD55}"/>
+    <dgm:cxn modelId="{159A334B-828F-4938-B703-7E15EA0390EB}" type="presOf" srcId="{131BA167-16C8-427D-BB30-8989EA4E70E5}" destId="{3C1528C3-2A53-4665-B9B1-9D10BDE5246C}" srcOrd="0" destOrd="0" presId="urn:microsoft.com/office/officeart/2005/8/layout/process5"/>
+    <dgm:cxn modelId="{D8A00F18-C6DD-4134-9099-FA2865724BC5}" srcId="{F24FA211-3F2C-4346-ABD9-092692E7A9F4}" destId="{E14C6B11-9E69-4BC7-AEE0-6EC9CF20AF87}" srcOrd="5" destOrd="0" parTransId="{5C923AB1-59F2-4986-B504-004979660F31}" sibTransId="{72B24B98-2746-4468-853D-85A0838FF80C}"/>
+    <dgm:cxn modelId="{FF86A038-F63D-41C8-92FD-89BB48C2D78B}" type="presOf" srcId="{131BA167-16C8-427D-BB30-8989EA4E70E5}" destId="{9834EF4A-D85A-496C-B5F4-813700D1B355}" srcOrd="1" destOrd="0" presId="urn:microsoft.com/office/officeart/2005/8/layout/process5"/>
+    <dgm:cxn modelId="{341AA369-670C-4DF0-BC96-B1052E20E295}" type="presOf" srcId="{034CED5B-B964-4238-86DE-9425E8ACB288}" destId="{914B1954-7982-4DED-A8D5-5875C703DF93}" srcOrd="0" destOrd="0" presId="urn:microsoft.com/office/officeart/2005/8/layout/process5"/>
+    <dgm:cxn modelId="{D44DC169-D5B2-401B-A49E-2D6F81D2F210}" type="presOf" srcId="{44E407CA-8519-439E-8A89-95F7E138FD9B}" destId="{DF43D430-0F06-4181-9E7A-3A427B6E5D03}" srcOrd="1" destOrd="0" presId="urn:microsoft.com/office/officeart/2005/8/layout/process5"/>
+    <dgm:cxn modelId="{72E3630E-531C-4A35-9293-10CC23EADB2F}" type="presOf" srcId="{7703AC7D-7627-48AA-BF50-1DEDC16D7D91}" destId="{BC696920-5112-47F6-BE4D-E1EB1973835F}" srcOrd="0" destOrd="0" presId="urn:microsoft.com/office/officeart/2005/8/layout/process5"/>
     <dgm:cxn modelId="{7088EC34-C1BA-48B0-B058-0B664C09D58A}" srcId="{F24FA211-3F2C-4346-ABD9-092692E7A9F4}" destId="{7703AC7D-7627-48AA-BF50-1DEDC16D7D91}" srcOrd="1" destOrd="0" parTransId="{3CBB70BA-78E8-45DC-81B2-4BEEC48E7B7D}" sibTransId="{034CED5B-B964-4238-86DE-9425E8ACB288}"/>
-    <dgm:cxn modelId="{424AEF9F-1777-41A2-972C-80890D2C264D}" type="presOf" srcId="{16DD3F1C-A6F8-47D3-BA57-675D1A413B75}" destId="{5866D430-EA1C-4910-9534-06E6848714EB}" srcOrd="0" destOrd="0" presId="urn:microsoft.com/office/officeart/2005/8/layout/process5"/>
-    <dgm:cxn modelId="{9302E501-86EA-4DB1-A636-EF4A9D3BD970}" type="presOf" srcId="{44E407CA-8519-439E-8A89-95F7E138FD9B}" destId="{0F9723B7-0055-459E-A10D-E0CCDB016560}" srcOrd="0" destOrd="0" presId="urn:microsoft.com/office/officeart/2005/8/layout/process5"/>
-    <dgm:cxn modelId="{0669D6EF-EFC6-403D-B7F8-6968C5DCBD86}" type="presOf" srcId="{3B76D8E7-67CF-4CB2-BF09-7B700E7E5D12}" destId="{79A966BC-6822-4F1F-8DDB-931C03225B4B}" srcOrd="1" destOrd="0" presId="urn:microsoft.com/office/officeart/2005/8/layout/process5"/>
-    <dgm:cxn modelId="{BD28B709-F130-4AFD-A64D-97E8D268CB62}" type="presOf" srcId="{EDB30B5B-9C38-4AE4-AC01-4A1C8FE4A29A}" destId="{3DBD298A-F8B3-4E38-A680-3BE94B06B180}" srcOrd="0" destOrd="0" presId="urn:microsoft.com/office/officeart/2005/8/layout/process5"/>
-    <dgm:cxn modelId="{1154286F-CB43-4A2D-8655-A31A8ECD3D56}" type="presOf" srcId="{0764DABC-4988-4E83-9D27-6C612E2653B9}" destId="{9345B24A-55DC-4164-8C82-526C07E03E06}" srcOrd="0" destOrd="0" presId="urn:microsoft.com/office/officeart/2005/8/layout/process5"/>
-    <dgm:cxn modelId="{73520E53-F4B6-4F1E-90B5-18C455DEAE0D}" srcId="{F24FA211-3F2C-4346-ABD9-092692E7A9F4}" destId="{0764DABC-4988-4E83-9D27-6C612E2653B9}" srcOrd="3" destOrd="0" parTransId="{249F8ABC-18A8-43BD-9D5F-45C4BE804F85}" sibTransId="{44E407CA-8519-439E-8A89-95F7E138FD9B}"/>
-    <dgm:cxn modelId="{C3861FA4-D69B-4D5F-9E76-323ACFF87FEC}" srcId="{F24FA211-3F2C-4346-ABD9-092692E7A9F4}" destId="{4B3393CD-BE25-4520-B303-8BAD23F50CE0}" srcOrd="0" destOrd="0" parTransId="{9BF9F86E-19D0-4D46-B788-9E0D0EE490C8}" sibTransId="{3B76D8E7-67CF-4CB2-BF09-7B700E7E5D12}"/>
-    <dgm:cxn modelId="{991DF198-8CDF-4B14-8AE8-FEB3D310B20B}" type="presOf" srcId="{44E407CA-8519-439E-8A89-95F7E138FD9B}" destId="{DF43D430-0F06-4181-9E7A-3A427B6E5D03}" srcOrd="1" destOrd="0" presId="urn:microsoft.com/office/officeart/2005/8/layout/process5"/>
-    <dgm:cxn modelId="{341AA369-670C-4DF0-BC96-B1052E20E295}" type="presOf" srcId="{034CED5B-B964-4238-86DE-9425E8ACB288}" destId="{914B1954-7982-4DED-A8D5-5875C703DF93}" srcOrd="0" destOrd="0" presId="urn:microsoft.com/office/officeart/2005/8/layout/process5"/>
-    <dgm:cxn modelId="{72E3630E-531C-4A35-9293-10CC23EADB2F}" type="presOf" srcId="{7703AC7D-7627-48AA-BF50-1DEDC16D7D91}" destId="{BC696920-5112-47F6-BE4D-E1EB1973835F}" srcOrd="0" destOrd="0" presId="urn:microsoft.com/office/officeart/2005/8/layout/process5"/>
-    <dgm:cxn modelId="{01D3D835-C68A-4833-8CC6-5F232904FA28}" type="presOf" srcId="{4B3393CD-BE25-4520-B303-8BAD23F50CE0}" destId="{F680135F-FB83-4C06-91FC-3A29DC63396C}" srcOrd="0" destOrd="0" presId="urn:microsoft.com/office/officeart/2005/8/layout/process5"/>
-    <dgm:cxn modelId="{262AB8BB-0ABE-4DB4-BF56-483CC7552502}" srcId="{F24FA211-3F2C-4346-ABD9-092692E7A9F4}" destId="{EDB30B5B-9C38-4AE4-AC01-4A1C8FE4A29A}" srcOrd="4" destOrd="0" parTransId="{D2ACA6F7-88A1-43E0-8962-1C8442A04967}" sibTransId="{21BBBBD4-AEA5-4735-89AC-862479BB044B}"/>
-    <dgm:cxn modelId="{05EF2D42-B22E-44CB-BCA8-0A624596CEC7}" srcId="{F24FA211-3F2C-4346-ABD9-092692E7A9F4}" destId="{16DD3F1C-A6F8-47D3-BA57-675D1A413B75}" srcOrd="2" destOrd="0" parTransId="{E5AE1A70-D04B-4C9F-9949-A16466860DE9}" sibTransId="{131BA167-16C8-427D-BB30-8989EA4E70E5}"/>
-    <dgm:cxn modelId="{159A334B-828F-4938-B703-7E15EA0390EB}" type="presOf" srcId="{131BA167-16C8-427D-BB30-8989EA4E70E5}" destId="{3C1528C3-2A53-4665-B9B1-9D10BDE5246C}" srcOrd="0" destOrd="0" presId="urn:microsoft.com/office/officeart/2005/8/layout/process5"/>
-    <dgm:cxn modelId="{8A2B670C-109C-439B-B22E-CD967650E219}" type="presOf" srcId="{034CED5B-B964-4238-86DE-9425E8ACB288}" destId="{4E7053E0-5968-423E-9BAF-BE0FE864C6C7}" srcOrd="1" destOrd="0" presId="urn:microsoft.com/office/officeart/2005/8/layout/process5"/>
-    <dgm:cxn modelId="{FF86A038-F63D-41C8-92FD-89BB48C2D78B}" type="presOf" srcId="{131BA167-16C8-427D-BB30-8989EA4E70E5}" destId="{9834EF4A-D85A-496C-B5F4-813700D1B355}" srcOrd="1" destOrd="0" presId="urn:microsoft.com/office/officeart/2005/8/layout/process5"/>
+    <dgm:cxn modelId="{5968B0E5-E802-47EE-BA4D-BF6E0BD55080}" type="presOf" srcId="{44E407CA-8519-439E-8A89-95F7E138FD9B}" destId="{0F9723B7-0055-459E-A10D-E0CCDB016560}" srcOrd="0" destOrd="0" presId="urn:microsoft.com/office/officeart/2005/8/layout/process5"/>
     <dgm:cxn modelId="{AF9486FF-80C1-458C-99FF-5E3E5E91D44E}" type="presOf" srcId="{F24FA211-3F2C-4346-ABD9-092692E7A9F4}" destId="{88052538-6CB1-4F7A-A301-649AE84EF66B}" srcOrd="0" destOrd="0" presId="urn:microsoft.com/office/officeart/2005/8/layout/process5"/>
-    <dgm:cxn modelId="{10CCD57B-ABE5-4567-B2A1-877CBDF4C4EB}" type="presOf" srcId="{3B76D8E7-67CF-4CB2-BF09-7B700E7E5D12}" destId="{00C08AC9-1D4E-4798-A062-2CC79FC0B56F}" srcOrd="0" destOrd="0" presId="urn:microsoft.com/office/officeart/2005/8/layout/process5"/>
+    <dgm:cxn modelId="{6D40767D-6176-4021-B52D-AB2518EB88D7}" type="presOf" srcId="{E14C6B11-9E69-4BC7-AEE0-6EC9CF20AF87}" destId="{E8D2FA06-B903-4014-BFD9-BFAEAA6FFFAA}" srcOrd="0" destOrd="0" presId="urn:microsoft.com/office/officeart/2005/8/layout/process5"/>
     <dgm:cxn modelId="{2B7791BA-187A-4E87-B006-8F714EC7EA12}" type="presParOf" srcId="{88052538-6CB1-4F7A-A301-649AE84EF66B}" destId="{F680135F-FB83-4C06-91FC-3A29DC63396C}" srcOrd="0" destOrd="0" presId="urn:microsoft.com/office/officeart/2005/8/layout/process5"/>
     <dgm:cxn modelId="{65AFB437-8727-4392-89EB-1408DE427B51}" type="presParOf" srcId="{88052538-6CB1-4F7A-A301-649AE84EF66B}" destId="{00C08AC9-1D4E-4798-A062-2CC79FC0B56F}" srcOrd="1" destOrd="0" presId="urn:microsoft.com/office/officeart/2005/8/layout/process5"/>
     <dgm:cxn modelId="{34447A5A-ACAA-4078-82F1-0D57D9EA559C}" type="presParOf" srcId="{00C08AC9-1D4E-4798-A062-2CC79FC0B56F}" destId="{79A966BC-6822-4F1F-8DDB-931C03225B4B}" srcOrd="0" destOrd="0" presId="urn:microsoft.com/office/officeart/2005/8/layout/process5"/>
@@ -1192,9 +1393,12 @@
     <dgm:cxn modelId="{6A64A362-E610-4E6F-9813-6D519DCF5625}" type="presParOf" srcId="{88052538-6CB1-4F7A-A301-649AE84EF66B}" destId="{3C1528C3-2A53-4665-B9B1-9D10BDE5246C}" srcOrd="5" destOrd="0" presId="urn:microsoft.com/office/officeart/2005/8/layout/process5"/>
     <dgm:cxn modelId="{0D09F597-6196-420F-9BDB-08C3A4193CDC}" type="presParOf" srcId="{3C1528C3-2A53-4665-B9B1-9D10BDE5246C}" destId="{9834EF4A-D85A-496C-B5F4-813700D1B355}" srcOrd="0" destOrd="0" presId="urn:microsoft.com/office/officeart/2005/8/layout/process5"/>
     <dgm:cxn modelId="{DC835FCD-EF56-47F3-8973-A70F6EE93DCF}" type="presParOf" srcId="{88052538-6CB1-4F7A-A301-649AE84EF66B}" destId="{9345B24A-55DC-4164-8C82-526C07E03E06}" srcOrd="6" destOrd="0" presId="urn:microsoft.com/office/officeart/2005/8/layout/process5"/>
-    <dgm:cxn modelId="{866A8D09-16B4-4049-82A2-A28715917B11}" type="presParOf" srcId="{88052538-6CB1-4F7A-A301-649AE84EF66B}" destId="{0F9723B7-0055-459E-A10D-E0CCDB016560}" srcOrd="7" destOrd="0" presId="urn:microsoft.com/office/officeart/2005/8/layout/process5"/>
-    <dgm:cxn modelId="{41D19D1C-65D1-4FBF-98E7-E94219BC964C}" type="presParOf" srcId="{0F9723B7-0055-459E-A10D-E0CCDB016560}" destId="{DF43D430-0F06-4181-9E7A-3A427B6E5D03}" srcOrd="0" destOrd="0" presId="urn:microsoft.com/office/officeart/2005/8/layout/process5"/>
-    <dgm:cxn modelId="{BA8FA974-B667-496E-A7AD-95EC9DA96AD7}" type="presParOf" srcId="{88052538-6CB1-4F7A-A301-649AE84EF66B}" destId="{3DBD298A-F8B3-4E38-A680-3BE94B06B180}" srcOrd="8" destOrd="0" presId="urn:microsoft.com/office/officeart/2005/8/layout/process5"/>
+    <dgm:cxn modelId="{A32866CC-6BBC-46B5-8AC0-5B9038AB7E07}" type="presParOf" srcId="{88052538-6CB1-4F7A-A301-649AE84EF66B}" destId="{0F9723B7-0055-459E-A10D-E0CCDB016560}" srcOrd="7" destOrd="0" presId="urn:microsoft.com/office/officeart/2005/8/layout/process5"/>
+    <dgm:cxn modelId="{FFB97725-EAB1-4E84-B855-D40C0D531CC6}" type="presParOf" srcId="{0F9723B7-0055-459E-A10D-E0CCDB016560}" destId="{DF43D430-0F06-4181-9E7A-3A427B6E5D03}" srcOrd="0" destOrd="0" presId="urn:microsoft.com/office/officeart/2005/8/layout/process5"/>
+    <dgm:cxn modelId="{081C7674-B419-483E-827D-21B8EBBCB266}" type="presParOf" srcId="{88052538-6CB1-4F7A-A301-649AE84EF66B}" destId="{7490BDB8-F1E2-4EB2-82E7-C08F9B9E534E}" srcOrd="8" destOrd="0" presId="urn:microsoft.com/office/officeart/2005/8/layout/process5"/>
+    <dgm:cxn modelId="{A50C1208-4729-4046-BD92-B48C805418F0}" type="presParOf" srcId="{88052538-6CB1-4F7A-A301-649AE84EF66B}" destId="{1FD05E88-9E09-4F15-B0F4-DD6A84F91FB2}" srcOrd="9" destOrd="0" presId="urn:microsoft.com/office/officeart/2005/8/layout/process5"/>
+    <dgm:cxn modelId="{9E34801F-FB82-4654-964A-1B0D1C8A3D05}" type="presParOf" srcId="{1FD05E88-9E09-4F15-B0F4-DD6A84F91FB2}" destId="{60429F7C-10D0-4D3F-8019-997E2BE29191}" srcOrd="0" destOrd="0" presId="urn:microsoft.com/office/officeart/2005/8/layout/process5"/>
+    <dgm:cxn modelId="{C046AC52-5DA5-4507-B9C0-E398565E8E60}" type="presParOf" srcId="{88052538-6CB1-4F7A-A301-649AE84EF66B}" destId="{E8D2FA06-B903-4014-BFD9-BFAEAA6FFFAA}" srcOrd="10" destOrd="0" presId="urn:microsoft.com/office/officeart/2005/8/layout/process5"/>
   </dgm:cxnLst>
   <dgm:bg/>
   <dgm:whole/>
@@ -1221,8 +1425,8 @@
       </dsp:nvSpPr>
       <dsp:spPr>
         <a:xfrm>
-          <a:off x="0" y="354158"/>
-          <a:ext cx="2165806" cy="926833"/>
+          <a:off x="0" y="316526"/>
+          <a:ext cx="2620257" cy="881121"/>
         </a:xfrm>
         <a:prstGeom prst="roundRect">
           <a:avLst>
@@ -1266,12 +1470,12 @@
         </a:fontRef>
       </dsp:style>
       <dsp:txBody>
-        <a:bodyPr spcFirstLastPara="0" vert="horz" wrap="square" lIns="99060" tIns="99060" rIns="99060" bIns="99060" numCol="1" spcCol="1270" anchor="ctr" anchorCtr="0">
+        <a:bodyPr spcFirstLastPara="0" vert="horz" wrap="square" lIns="102870" tIns="102870" rIns="102870" bIns="102870" numCol="1" spcCol="1270" anchor="ctr" anchorCtr="0">
           <a:noAutofit/>
         </a:bodyPr>
         <a:lstStyle/>
         <a:p>
-          <a:pPr lvl="0" algn="ctr" defTabSz="1155700">
+          <a:pPr lvl="0" algn="ctr" defTabSz="1200150">
             <a:lnSpc>
               <a:spcPct val="90000"/>
             </a:lnSpc>
@@ -1283,15 +1487,15 @@
             </a:spcAft>
           </a:pPr>
           <a:r>
-            <a:rPr lang="es-ES_tradnl" sz="2600" kern="1200" dirty="0" smtClean="0"/>
+            <a:rPr lang="es-ES_tradnl" sz="2700" kern="1200" dirty="0" smtClean="0"/>
             <a:t>bookListCtrl.js</a:t>
           </a:r>
-          <a:endParaRPr lang="en-US" sz="2600" kern="1200" dirty="0"/>
+          <a:endParaRPr lang="en-US" sz="2700" kern="1200" dirty="0"/>
         </a:p>
       </dsp:txBody>
       <dsp:txXfrm>
-        <a:off x="27146" y="381304"/>
-        <a:ext cx="2111514" cy="872541"/>
+        <a:off x="25807" y="342333"/>
+        <a:ext cx="2568643" cy="829507"/>
       </dsp:txXfrm>
     </dsp:sp>
     <dsp:sp modelId="{00C08AC9-1D4E-4798-A062-2CC79FC0B56F}">
@@ -1300,9 +1504,9 @@
         <dsp:cNvSpPr/>
       </dsp:nvSpPr>
       <dsp:spPr>
-        <a:xfrm rot="21598353">
-          <a:off x="2366199" y="502924"/>
-          <a:ext cx="2985375" cy="673614"/>
+        <a:xfrm rot="21570968">
+          <a:off x="2940321" y="473313"/>
+          <a:ext cx="4769548" cy="558629"/>
         </a:xfrm>
         <a:prstGeom prst="rightArrow">
           <a:avLst>
@@ -1344,7 +1548,7 @@
         </a:bodyPr>
         <a:lstStyle/>
         <a:p>
-          <a:pPr lvl="0" algn="ctr" defTabSz="933450">
+          <a:pPr lvl="0" algn="ctr" defTabSz="889000">
             <a:lnSpc>
               <a:spcPct val="90000"/>
             </a:lnSpc>
@@ -1356,39 +1560,39 @@
             </a:spcAft>
           </a:pPr>
           <a:r>
-            <a:rPr lang="es-ES_tradnl" sz="2100" kern="1200" dirty="0" err="1" smtClean="0"/>
+            <a:rPr lang="es-ES_tradnl" sz="2000" kern="1200" dirty="0" err="1" smtClean="0"/>
             <a:t>Get</a:t>
           </a:r>
           <a:r>
-            <a:rPr lang="es-ES_tradnl" sz="2100" kern="1200" dirty="0" smtClean="0"/>
+            <a:rPr lang="es-ES_tradnl" sz="2000" kern="1200" dirty="0" smtClean="0"/>
             <a:t>: /</a:t>
           </a:r>
           <a:r>
-            <a:rPr lang="es-ES_tradnl" sz="2100" kern="1200" dirty="0" err="1" smtClean="0"/>
+            <a:rPr lang="es-ES_tradnl" sz="2000" kern="1200" dirty="0" err="1" smtClean="0"/>
             <a:t>Tpl</a:t>
           </a:r>
           <a:r>
-            <a:rPr lang="es-ES_tradnl" sz="2100" kern="1200" dirty="0" smtClean="0"/>
+            <a:rPr lang="es-ES_tradnl" sz="2000" kern="1200" dirty="0" smtClean="0"/>
             <a:t>/</a:t>
           </a:r>
           <a:r>
-            <a:rPr lang="es-ES_tradnl" sz="2100" kern="1200" dirty="0" err="1" smtClean="0"/>
+            <a:rPr lang="es-ES_tradnl" sz="2000" kern="1200" dirty="0" err="1" smtClean="0"/>
             <a:t>rest</a:t>
           </a:r>
           <a:r>
-            <a:rPr lang="es-ES_tradnl" sz="2100" kern="1200" dirty="0" smtClean="0"/>
+            <a:rPr lang="es-ES_tradnl" sz="2000" kern="1200" dirty="0" smtClean="0"/>
             <a:t>/</a:t>
           </a:r>
           <a:r>
-            <a:rPr lang="es-ES_tradnl" sz="2100" kern="1200" dirty="0" err="1" smtClean="0"/>
+            <a:rPr lang="es-ES_tradnl" sz="2000" kern="1200" dirty="0" err="1" smtClean="0"/>
             <a:t>books</a:t>
           </a:r>
-          <a:endParaRPr lang="en-US" sz="2100" kern="1200" dirty="0"/>
+          <a:endParaRPr lang="en-US" sz="2000" kern="1200" dirty="0"/>
         </a:p>
       </dsp:txBody>
       <dsp:txXfrm>
-        <a:off x="2366199" y="637695"/>
-        <a:ext cx="2783291" cy="404168"/>
+        <a:off x="2940324" y="585747"/>
+        <a:ext cx="4601959" cy="335177"/>
       </dsp:txXfrm>
     </dsp:sp>
     <dsp:sp modelId="{BC696920-5112-47F6-BE4D-E1EB1973835F}">
@@ -1398,8 +1602,8 @@
       </dsp:nvSpPr>
       <dsp:spPr>
         <a:xfrm>
-          <a:off x="5491690" y="0"/>
-          <a:ext cx="2532763" cy="1629712"/>
+          <a:off x="7933625" y="281351"/>
+          <a:ext cx="2581974" cy="817791"/>
         </a:xfrm>
         <a:prstGeom prst="roundRect">
           <a:avLst>
@@ -1443,12 +1647,12 @@
         </a:fontRef>
       </dsp:style>
       <dsp:txBody>
-        <a:bodyPr spcFirstLastPara="0" vert="horz" wrap="square" lIns="99060" tIns="99060" rIns="99060" bIns="99060" numCol="1" spcCol="1270" anchor="ctr" anchorCtr="0">
+        <a:bodyPr spcFirstLastPara="0" vert="horz" wrap="square" lIns="102870" tIns="102870" rIns="102870" bIns="102870" numCol="1" spcCol="1270" anchor="ctr" anchorCtr="0">
           <a:noAutofit/>
         </a:bodyPr>
         <a:lstStyle/>
         <a:p>
-          <a:pPr lvl="0" algn="ctr" defTabSz="1155700">
+          <a:pPr lvl="0" algn="ctr" defTabSz="1200150">
             <a:lnSpc>
               <a:spcPct val="90000"/>
             </a:lnSpc>
@@ -1459,12 +1663,16 @@
               <a:spcPct val="35000"/>
             </a:spcAft>
           </a:pPr>
-          <a:endParaRPr lang="en-US" sz="2600" kern="1200" dirty="0"/>
+          <a:r>
+            <a:rPr lang="es-ES_tradnl" sz="2700" kern="1200" dirty="0" err="1" smtClean="0"/>
+            <a:t>BookWS</a:t>
+          </a:r>
+          <a:endParaRPr lang="en-US" sz="2700" kern="1200" dirty="0"/>
         </a:p>
       </dsp:txBody>
       <dsp:txXfrm>
-        <a:off x="5539423" y="47733"/>
-        <a:ext cx="2437297" cy="1534246"/>
+        <a:off x="7957577" y="305303"/>
+        <a:ext cx="2534070" cy="769887"/>
       </dsp:txXfrm>
     </dsp:sp>
     <dsp:sp modelId="{914B1954-7982-4DED-A8D5-5875C703DF93}">
@@ -1473,9 +1681,9 @@
         <dsp:cNvSpPr/>
       </dsp:nvSpPr>
       <dsp:spPr>
-        <a:xfrm rot="9193764">
-          <a:off x="3905864" y="1613234"/>
-          <a:ext cx="1204109" cy="673614"/>
+        <a:xfrm rot="10070164">
+          <a:off x="2725690" y="1431329"/>
+          <a:ext cx="4945299" cy="507140"/>
         </a:xfrm>
         <a:prstGeom prst="rightArrow">
           <a:avLst>
@@ -1517,7 +1725,7 @@
         </a:bodyPr>
         <a:lstStyle/>
         <a:p>
-          <a:pPr lvl="0" algn="ctr" defTabSz="933450">
+          <a:pPr lvl="0" algn="ctr" defTabSz="889000">
             <a:lnSpc>
               <a:spcPct val="90000"/>
             </a:lnSpc>
@@ -1528,12 +1736,20 @@
               <a:spcPct val="35000"/>
             </a:spcAft>
           </a:pPr>
-          <a:endParaRPr lang="en-US" sz="2100" kern="1200"/>
+          <a:r>
+            <a:rPr lang="es-ES_tradnl" sz="2000" kern="1200" dirty="0" err="1" smtClean="0"/>
+            <a:t>findAllBooks</a:t>
+          </a:r>
+          <a:r>
+            <a:rPr lang="es-ES_tradnl" sz="2000" kern="1200" dirty="0" smtClean="0"/>
+            <a:t>()</a:t>
+          </a:r>
+          <a:endParaRPr lang="en-US" sz="2000" kern="1200" dirty="0"/>
         </a:p>
       </dsp:txBody>
       <dsp:txXfrm rot="10800000">
-        <a:off x="4097118" y="1702446"/>
-        <a:ext cx="1002025" cy="404168"/>
+        <a:off x="2876124" y="1516728"/>
+        <a:ext cx="4793157" cy="304284"/>
       </dsp:txXfrm>
     </dsp:sp>
     <dsp:sp modelId="{5866D430-EA1C-4910-9534-06E6848714EB}">
@@ -1543,8 +1759,8 @@
       </dsp:nvSpPr>
       <dsp:spPr>
         <a:xfrm>
-          <a:off x="747108" y="2347337"/>
-          <a:ext cx="2716187" cy="1629712"/>
+          <a:off x="0" y="1852254"/>
+          <a:ext cx="2683613" cy="1074247"/>
         </a:xfrm>
         <a:prstGeom prst="roundRect">
           <a:avLst>
@@ -1588,12 +1804,12 @@
         </a:fontRef>
       </dsp:style>
       <dsp:txBody>
-        <a:bodyPr spcFirstLastPara="0" vert="horz" wrap="square" lIns="99060" tIns="99060" rIns="99060" bIns="99060" numCol="1" spcCol="1270" anchor="ctr" anchorCtr="0">
+        <a:bodyPr spcFirstLastPara="0" vert="horz" wrap="square" lIns="102870" tIns="102870" rIns="102870" bIns="102870" numCol="1" spcCol="1270" anchor="ctr" anchorCtr="0">
           <a:noAutofit/>
         </a:bodyPr>
         <a:lstStyle/>
         <a:p>
-          <a:pPr lvl="0" algn="ctr" defTabSz="1155700">
+          <a:pPr lvl="0" algn="ctr" defTabSz="1200150">
             <a:lnSpc>
               <a:spcPct val="90000"/>
             </a:lnSpc>
@@ -1604,12 +1820,16 @@
               <a:spcPct val="35000"/>
             </a:spcAft>
           </a:pPr>
-          <a:endParaRPr lang="en-US" sz="2600" kern="1200"/>
+          <a:r>
+            <a:rPr lang="es-ES_tradnl" sz="2700" kern="1200" dirty="0" err="1" smtClean="0"/>
+            <a:t>BookService</a:t>
+          </a:r>
+          <a:endParaRPr lang="en-US" sz="2700" kern="1200" dirty="0"/>
         </a:p>
       </dsp:txBody>
       <dsp:txXfrm>
-        <a:off x="794841" y="2395070"/>
-        <a:ext cx="2620721" cy="1534246"/>
+        <a:off x="31464" y="1883718"/>
+        <a:ext cx="2620685" cy="1011319"/>
       </dsp:txXfrm>
     </dsp:sp>
     <dsp:sp modelId="{3C1528C3-2A53-4665-B9B1-9D10BDE5246C}">
@@ -1618,9 +1838,9 @@
         <dsp:cNvSpPr/>
       </dsp:nvSpPr>
       <dsp:spPr>
-        <a:xfrm rot="193676">
-          <a:off x="4313543" y="3007895"/>
-          <a:ext cx="2055511" cy="673614"/>
+        <a:xfrm rot="21504203">
+          <a:off x="3193390" y="2251185"/>
+          <a:ext cx="4171887" cy="466238"/>
         </a:xfrm>
         <a:prstGeom prst="rightArrow">
           <a:avLst>
@@ -1662,7 +1882,7 @@
         </a:bodyPr>
         <a:lstStyle/>
         <a:p>
-          <a:pPr lvl="0" algn="ctr" defTabSz="933450">
+          <a:pPr lvl="0" algn="ctr" defTabSz="889000">
             <a:lnSpc>
               <a:spcPct val="90000"/>
             </a:lnSpc>
@@ -1673,12 +1893,20 @@
               <a:spcPct val="35000"/>
             </a:spcAft>
           </a:pPr>
-          <a:endParaRPr lang="en-US" sz="2100" kern="1200"/>
+          <a:r>
+            <a:rPr lang="es-ES_tradnl" sz="2000" kern="1200" dirty="0" err="1" smtClean="0"/>
+            <a:t>findAll</a:t>
+          </a:r>
+          <a:r>
+            <a:rPr lang="es-ES_tradnl" sz="2000" kern="1200" dirty="0" smtClean="0"/>
+            <a:t>()</a:t>
+          </a:r>
+          <a:endParaRPr lang="en-US" sz="2000" kern="1200" dirty="0"/>
         </a:p>
       </dsp:txBody>
       <dsp:txXfrm>
-        <a:off x="4313703" y="3136929"/>
-        <a:ext cx="1853427" cy="404168"/>
+        <a:off x="3193417" y="2346382"/>
+        <a:ext cx="4032016" cy="279742"/>
       </dsp:txXfrm>
     </dsp:sp>
     <dsp:sp modelId="{9345B24A-55DC-4164-8C82-526C07E03E06}">
@@ -1688,8 +1916,8 @@
       </dsp:nvSpPr>
       <dsp:spPr>
         <a:xfrm>
-          <a:off x="7335466" y="2718906"/>
-          <a:ext cx="2716187" cy="1629712"/>
+          <a:off x="7970364" y="1642934"/>
+          <a:ext cx="2545235" cy="1052420"/>
         </a:xfrm>
         <a:prstGeom prst="roundRect">
           <a:avLst>
@@ -1733,12 +1961,12 @@
         </a:fontRef>
       </dsp:style>
       <dsp:txBody>
-        <a:bodyPr spcFirstLastPara="0" vert="horz" wrap="square" lIns="99060" tIns="99060" rIns="99060" bIns="99060" numCol="1" spcCol="1270" anchor="ctr" anchorCtr="0">
+        <a:bodyPr spcFirstLastPara="0" vert="horz" wrap="square" lIns="102870" tIns="102870" rIns="102870" bIns="102870" numCol="1" spcCol="1270" anchor="ctr" anchorCtr="0">
           <a:noAutofit/>
         </a:bodyPr>
         <a:lstStyle/>
         <a:p>
-          <a:pPr lvl="0" algn="ctr" defTabSz="1155700">
+          <a:pPr lvl="0" algn="ctr" defTabSz="1200150">
             <a:lnSpc>
               <a:spcPct val="90000"/>
             </a:lnSpc>
@@ -1749,12 +1977,16 @@
               <a:spcPct val="35000"/>
             </a:spcAft>
           </a:pPr>
-          <a:endParaRPr lang="en-US" sz="2600" kern="1200"/>
+          <a:r>
+            <a:rPr lang="es-ES_tradnl" sz="2700" kern="1200" dirty="0" err="1" smtClean="0"/>
+            <a:t>BookRepository</a:t>
+          </a:r>
+          <a:endParaRPr lang="en-US" sz="2700" kern="1200" dirty="0"/>
         </a:p>
       </dsp:txBody>
       <dsp:txXfrm>
-        <a:off x="7383199" y="2766639"/>
-        <a:ext cx="2620721" cy="1534246"/>
+        <a:off x="8001188" y="1673758"/>
+        <a:ext cx="2483587" cy="990772"/>
       </dsp:txXfrm>
     </dsp:sp>
     <dsp:sp modelId="{0F9723B7-0055-459E-A10D-E0CCDB016560}">
@@ -1763,9 +1995,9 @@
         <dsp:cNvSpPr/>
       </dsp:nvSpPr>
       <dsp:spPr>
-        <a:xfrm rot="10800000">
-          <a:off x="6520609" y="3196955"/>
-          <a:ext cx="575831" cy="673614"/>
+        <a:xfrm rot="10058187">
+          <a:off x="2787071" y="3011729"/>
+          <a:ext cx="4965242" cy="472643"/>
         </a:xfrm>
         <a:prstGeom prst="rightArrow">
           <a:avLst>
@@ -1807,7 +2039,7 @@
         </a:bodyPr>
         <a:lstStyle/>
         <a:p>
-          <a:pPr lvl="0" algn="ctr" defTabSz="933450">
+          <a:pPr lvl="0" algn="ctr" defTabSz="889000">
             <a:lnSpc>
               <a:spcPct val="90000"/>
             </a:lnSpc>
@@ -1818,23 +2050,31 @@
               <a:spcPct val="35000"/>
             </a:spcAft>
           </a:pPr>
-          <a:endParaRPr lang="en-US" sz="2100" kern="1200"/>
+          <a:r>
+            <a:rPr lang="es-ES_tradnl" sz="2000" kern="1200" dirty="0" err="1" smtClean="0"/>
+            <a:t>findAll</a:t>
+          </a:r>
+          <a:r>
+            <a:rPr lang="es-ES_tradnl" sz="2000" kern="1200" dirty="0" smtClean="0"/>
+            <a:t>()</a:t>
+          </a:r>
+          <a:endParaRPr lang="en-US" sz="2000" kern="1200" dirty="0"/>
         </a:p>
       </dsp:txBody>
       <dsp:txXfrm rot="10800000">
-        <a:off x="6693358" y="3331678"/>
-        <a:ext cx="403082" cy="404168"/>
+        <a:off x="2927220" y="3091078"/>
+        <a:ext cx="4823449" cy="283585"/>
       </dsp:txXfrm>
     </dsp:sp>
-    <dsp:sp modelId="{3DBD298A-F8B3-4E38-A680-3BE94B06B180}">
+    <dsp:sp modelId="{7490BDB8-F1E2-4EB2-82E7-C08F9B9E534E}">
       <dsp:nvSpPr>
         <dsp:cNvPr id="0" name=""/>
         <dsp:cNvSpPr/>
       </dsp:nvSpPr>
       <dsp:spPr>
         <a:xfrm>
-          <a:off x="3532803" y="2718906"/>
-          <a:ext cx="2716187" cy="1629712"/>
+          <a:off x="0" y="3513640"/>
+          <a:ext cx="2491638" cy="816924"/>
         </a:xfrm>
         <a:prstGeom prst="roundRect">
           <a:avLst>
@@ -1878,12 +2118,12 @@
         </a:fontRef>
       </dsp:style>
       <dsp:txBody>
-        <a:bodyPr spcFirstLastPara="0" vert="horz" wrap="square" lIns="99060" tIns="99060" rIns="99060" bIns="99060" numCol="1" spcCol="1270" anchor="ctr" anchorCtr="0">
+        <a:bodyPr spcFirstLastPara="0" vert="horz" wrap="square" lIns="102870" tIns="102870" rIns="102870" bIns="102870" numCol="1" spcCol="1270" anchor="ctr" anchorCtr="0">
           <a:noAutofit/>
         </a:bodyPr>
         <a:lstStyle/>
         <a:p>
-          <a:pPr lvl="0" algn="ctr" defTabSz="1155700">
+          <a:pPr lvl="0" algn="ctr" defTabSz="1200150">
             <a:lnSpc>
               <a:spcPct val="90000"/>
             </a:lnSpc>
@@ -1894,12 +2134,173 @@
               <a:spcPct val="35000"/>
             </a:spcAft>
           </a:pPr>
-          <a:endParaRPr lang="en-US" sz="2600" kern="1200"/>
+          <a:r>
+            <a:rPr lang="es-ES_tradnl" sz="2700" kern="1200" dirty="0" err="1" smtClean="0"/>
+            <a:t>BookDAO</a:t>
+          </a:r>
+          <a:endParaRPr lang="en-US" sz="2700" kern="1200" dirty="0"/>
         </a:p>
       </dsp:txBody>
       <dsp:txXfrm>
-        <a:off x="3580536" y="2766639"/>
-        <a:ext cx="2620721" cy="1534246"/>
+        <a:off x="23927" y="3537567"/>
+        <a:ext cx="2443784" cy="769070"/>
+      </dsp:txXfrm>
+    </dsp:sp>
+    <dsp:sp modelId="{1FD05E88-9E09-4F15-B0F4-DD6A84F91FB2}">
+      <dsp:nvSpPr>
+        <dsp:cNvPr id="0" name=""/>
+        <dsp:cNvSpPr/>
+      </dsp:nvSpPr>
+      <dsp:spPr>
+        <a:xfrm rot="21563813">
+          <a:off x="3452339" y="3841071"/>
+          <a:ext cx="3999958" cy="478478"/>
+        </a:xfrm>
+        <a:prstGeom prst="rightArrow">
+          <a:avLst>
+            <a:gd name="adj1" fmla="val 60000"/>
+            <a:gd name="adj2" fmla="val 50000"/>
+          </a:avLst>
+        </a:prstGeom>
+        <a:solidFill>
+          <a:schemeClr val="accent1">
+            <a:tint val="60000"/>
+            <a:hueOff val="0"/>
+            <a:satOff val="0"/>
+            <a:lumOff val="0"/>
+            <a:alphaOff val="0"/>
+          </a:schemeClr>
+        </a:solidFill>
+        <a:ln>
+          <a:noFill/>
+        </a:ln>
+        <a:effectLst/>
+      </dsp:spPr>
+      <dsp:style>
+        <a:lnRef idx="0">
+          <a:scrgbClr r="0" g="0" b="0"/>
+        </a:lnRef>
+        <a:fillRef idx="1">
+          <a:scrgbClr r="0" g="0" b="0"/>
+        </a:fillRef>
+        <a:effectRef idx="0">
+          <a:scrgbClr r="0" g="0" b="0"/>
+        </a:effectRef>
+        <a:fontRef idx="minor">
+          <a:schemeClr val="lt1"/>
+        </a:fontRef>
+      </dsp:style>
+      <dsp:txBody>
+        <a:bodyPr spcFirstLastPara="0" vert="horz" wrap="square" lIns="0" tIns="0" rIns="0" bIns="0" numCol="1" spcCol="1270" anchor="ctr" anchorCtr="0">
+          <a:noAutofit/>
+        </a:bodyPr>
+        <a:lstStyle/>
+        <a:p>
+          <a:pPr lvl="0" algn="ctr" defTabSz="889000">
+            <a:lnSpc>
+              <a:spcPct val="90000"/>
+            </a:lnSpc>
+            <a:spcBef>
+              <a:spcPct val="0"/>
+            </a:spcBef>
+            <a:spcAft>
+              <a:spcPct val="35000"/>
+            </a:spcAft>
+          </a:pPr>
+          <a:r>
+            <a:rPr lang="es-ES_tradnl" sz="2000" kern="1200" dirty="0" smtClean="0"/>
+            <a:t>SELECT * FROM </a:t>
+          </a:r>
+          <a:r>
+            <a:rPr lang="es-ES_tradnl" sz="2000" kern="1200" dirty="0" err="1" smtClean="0"/>
+            <a:t>books</a:t>
+          </a:r>
+          <a:endParaRPr lang="en-US" sz="2000" kern="1200" dirty="0"/>
+        </a:p>
+      </dsp:txBody>
+      <dsp:txXfrm>
+        <a:off x="3452343" y="3937522"/>
+        <a:ext cx="3856415" cy="287086"/>
+      </dsp:txXfrm>
+    </dsp:sp>
+    <dsp:sp modelId="{E8D2FA06-B903-4014-BFD9-BFAEAA6FFFAA}">
+      <dsp:nvSpPr>
+        <dsp:cNvPr id="0" name=""/>
+        <dsp:cNvSpPr/>
+      </dsp:nvSpPr>
+      <dsp:spPr>
+        <a:xfrm>
+          <a:off x="7967702" y="3331881"/>
+          <a:ext cx="2547897" cy="1012100"/>
+        </a:xfrm>
+        <a:prstGeom prst="roundRect">
+          <a:avLst>
+            <a:gd name="adj" fmla="val 10000"/>
+          </a:avLst>
+        </a:prstGeom>
+        <a:solidFill>
+          <a:schemeClr val="accent1">
+            <a:hueOff val="0"/>
+            <a:satOff val="0"/>
+            <a:lumOff val="0"/>
+            <a:alphaOff val="0"/>
+          </a:schemeClr>
+        </a:solidFill>
+        <a:ln w="12700" cap="flat" cmpd="sng" algn="ctr">
+          <a:solidFill>
+            <a:schemeClr val="lt1">
+              <a:hueOff val="0"/>
+              <a:satOff val="0"/>
+              <a:lumOff val="0"/>
+              <a:alphaOff val="0"/>
+            </a:schemeClr>
+          </a:solidFill>
+          <a:prstDash val="solid"/>
+          <a:miter lim="800000"/>
+        </a:ln>
+        <a:effectLst/>
+      </dsp:spPr>
+      <dsp:style>
+        <a:lnRef idx="2">
+          <a:scrgbClr r="0" g="0" b="0"/>
+        </a:lnRef>
+        <a:fillRef idx="1">
+          <a:scrgbClr r="0" g="0" b="0"/>
+        </a:fillRef>
+        <a:effectRef idx="0">
+          <a:scrgbClr r="0" g="0" b="0"/>
+        </a:effectRef>
+        <a:fontRef idx="minor">
+          <a:schemeClr val="lt1"/>
+        </a:fontRef>
+      </dsp:style>
+      <dsp:txBody>
+        <a:bodyPr spcFirstLastPara="0" vert="horz" wrap="square" lIns="102870" tIns="102870" rIns="102870" bIns="102870" numCol="1" spcCol="1270" anchor="ctr" anchorCtr="0">
+          <a:noAutofit/>
+        </a:bodyPr>
+        <a:lstStyle/>
+        <a:p>
+          <a:pPr lvl="0" algn="ctr" defTabSz="1200150">
+            <a:lnSpc>
+              <a:spcPct val="90000"/>
+            </a:lnSpc>
+            <a:spcBef>
+              <a:spcPct val="0"/>
+            </a:spcBef>
+            <a:spcAft>
+              <a:spcPct val="35000"/>
+            </a:spcAft>
+          </a:pPr>
+          <a:r>
+            <a:rPr lang="es-ES_tradnl" sz="2700" kern="1200" dirty="0" smtClean="0"/>
+            <a:t>BASE DE DATOS</a:t>
+          </a:r>
+          <a:endParaRPr lang="en-US" sz="2700" kern="1200" dirty="0"/>
+        </a:p>
+      </dsp:txBody>
+      <dsp:txXfrm>
+        <a:off x="7997345" y="3361524"/>
+        <a:ext cx="2488611" cy="952814"/>
       </dsp:txXfrm>
     </dsp:sp>
   </dsp:spTree>
@@ -3242,7 +3643,7 @@
           <a:p>
             <a:fld id="{0E53D8F8-7794-4C5C-9B96-6B70F6BB9983}" type="datetimeFigureOut">
               <a:rPr lang="en-US" smtClean="0"/>
-              <a:t>10/15/2014</a:t>
+              <a:t>10/16/2014</a:t>
             </a:fld>
             <a:endParaRPr lang="en-US"/>
           </a:p>
@@ -3412,7 +3813,7 @@
           <a:p>
             <a:fld id="{0E53D8F8-7794-4C5C-9B96-6B70F6BB9983}" type="datetimeFigureOut">
               <a:rPr lang="en-US" smtClean="0"/>
-              <a:t>10/15/2014</a:t>
+              <a:t>10/16/2014</a:t>
             </a:fld>
             <a:endParaRPr lang="en-US"/>
           </a:p>
@@ -3592,7 +3993,7 @@
           <a:p>
             <a:fld id="{0E53D8F8-7794-4C5C-9B96-6B70F6BB9983}" type="datetimeFigureOut">
               <a:rPr lang="en-US" smtClean="0"/>
-              <a:t>10/15/2014</a:t>
+              <a:t>10/16/2014</a:t>
             </a:fld>
             <a:endParaRPr lang="en-US"/>
           </a:p>
@@ -3762,7 +4163,7 @@
           <a:p>
             <a:fld id="{0E53D8F8-7794-4C5C-9B96-6B70F6BB9983}" type="datetimeFigureOut">
               <a:rPr lang="en-US" smtClean="0"/>
-              <a:t>10/15/2014</a:t>
+              <a:t>10/16/2014</a:t>
             </a:fld>
             <a:endParaRPr lang="en-US"/>
           </a:p>
@@ -4008,7 +4409,7 @@
           <a:p>
             <a:fld id="{0E53D8F8-7794-4C5C-9B96-6B70F6BB9983}" type="datetimeFigureOut">
               <a:rPr lang="en-US" smtClean="0"/>
-              <a:t>10/15/2014</a:t>
+              <a:t>10/16/2014</a:t>
             </a:fld>
             <a:endParaRPr lang="en-US"/>
           </a:p>
@@ -4240,7 +4641,7 @@
           <a:p>
             <a:fld id="{0E53D8F8-7794-4C5C-9B96-6B70F6BB9983}" type="datetimeFigureOut">
               <a:rPr lang="en-US" smtClean="0"/>
-              <a:t>10/15/2014</a:t>
+              <a:t>10/16/2014</a:t>
             </a:fld>
             <a:endParaRPr lang="en-US"/>
           </a:p>
@@ -4607,7 +5008,7 @@
           <a:p>
             <a:fld id="{0E53D8F8-7794-4C5C-9B96-6B70F6BB9983}" type="datetimeFigureOut">
               <a:rPr lang="en-US" smtClean="0"/>
-              <a:t>10/15/2014</a:t>
+              <a:t>10/16/2014</a:t>
             </a:fld>
             <a:endParaRPr lang="en-US"/>
           </a:p>
@@ -4725,7 +5126,7 @@
           <a:p>
             <a:fld id="{0E53D8F8-7794-4C5C-9B96-6B70F6BB9983}" type="datetimeFigureOut">
               <a:rPr lang="en-US" smtClean="0"/>
-              <a:t>10/15/2014</a:t>
+              <a:t>10/16/2014</a:t>
             </a:fld>
             <a:endParaRPr lang="en-US"/>
           </a:p>
@@ -4820,7 +5221,7 @@
           <a:p>
             <a:fld id="{0E53D8F8-7794-4C5C-9B96-6B70F6BB9983}" type="datetimeFigureOut">
               <a:rPr lang="en-US" smtClean="0"/>
-              <a:t>10/15/2014</a:t>
+              <a:t>10/16/2014</a:t>
             </a:fld>
             <a:endParaRPr lang="en-US"/>
           </a:p>
@@ -5097,7 +5498,7 @@
           <a:p>
             <a:fld id="{0E53D8F8-7794-4C5C-9B96-6B70F6BB9983}" type="datetimeFigureOut">
               <a:rPr lang="en-US" smtClean="0"/>
-              <a:t>10/15/2014</a:t>
+              <a:t>10/16/2014</a:t>
             </a:fld>
             <a:endParaRPr lang="en-US"/>
           </a:p>
@@ -5350,7 +5751,7 @@
           <a:p>
             <a:fld id="{0E53D8F8-7794-4C5C-9B96-6B70F6BB9983}" type="datetimeFigureOut">
               <a:rPr lang="en-US" smtClean="0"/>
-              <a:t>10/15/2014</a:t>
+              <a:t>10/16/2014</a:t>
             </a:fld>
             <a:endParaRPr lang="en-US"/>
           </a:p>
@@ -5563,7 +5964,7 @@
           <a:p>
             <a:fld id="{0E53D8F8-7794-4C5C-9B96-6B70F6BB9983}" type="datetimeFigureOut">
               <a:rPr lang="en-US" smtClean="0"/>
-              <a:t>10/15/2014</a:t>
+              <a:t>10/16/2014</a:t>
             </a:fld>
             <a:endParaRPr lang="en-US"/>
           </a:p>
@@ -6056,8 +6457,8 @@
         </p:nvSpPr>
         <p:spPr>
           <a:xfrm>
-            <a:off x="838200" y="365125"/>
-            <a:ext cx="10515600" cy="772013"/>
+            <a:off x="726831" y="189279"/>
+            <a:ext cx="5117123" cy="772013"/>
           </a:xfrm>
         </p:spPr>
         <p:txBody>
@@ -6082,14 +6483,14 @@
             <p:ph idx="1"/>
             <p:extLst>
               <p:ext uri="{D42A27DB-BD31-4B8C-83A1-F6EECF244321}">
-                <p14:modId xmlns:p14="http://schemas.microsoft.com/office/powerpoint/2010/main" val="761620233"/>
+                <p14:modId xmlns:p14="http://schemas.microsoft.com/office/powerpoint/2010/main" val="1817695580"/>
               </p:ext>
             </p:extLst>
           </p:nvPr>
         </p:nvGraphicFramePr>
         <p:xfrm>
-          <a:off x="838200" y="1825625"/>
-          <a:ext cx="10515600" cy="4351338"/>
+          <a:off x="838200" y="2344615"/>
+          <a:ext cx="10515600" cy="5427785"/>
         </p:xfrm>
         <a:graphic>
           <a:graphicData uri="http://schemas.openxmlformats.org/drawingml/2006/diagram">
@@ -6097,6 +6498,98 @@
           </a:graphicData>
         </a:graphic>
       </p:graphicFrame>
+      <p:sp>
+        <p:nvSpPr>
+          <p:cNvPr id="3" name="Rounded Rectangle 2"/>
+          <p:cNvSpPr/>
+          <p:nvPr/>
+        </p:nvSpPr>
+        <p:spPr>
+          <a:xfrm>
+            <a:off x="726831" y="1137138"/>
+            <a:ext cx="2895600" cy="879231"/>
+          </a:xfrm>
+          <a:prstGeom prst="roundRect">
+            <a:avLst/>
+          </a:prstGeom>
+        </p:spPr>
+        <p:style>
+          <a:lnRef idx="2">
+            <a:schemeClr val="accent1">
+              <a:shade val="50000"/>
+            </a:schemeClr>
+          </a:lnRef>
+          <a:fillRef idx="1">
+            <a:schemeClr val="accent1"/>
+          </a:fillRef>
+          <a:effectRef idx="0">
+            <a:schemeClr val="accent1"/>
+          </a:effectRef>
+          <a:fontRef idx="minor">
+            <a:schemeClr val="lt1"/>
+          </a:fontRef>
+        </p:style>
+        <p:txBody>
+          <a:bodyPr rtlCol="0" anchor="ctr"/>
+          <a:lstStyle/>
+          <a:p>
+            <a:pPr algn="ctr"/>
+            <a:r>
+              <a:rPr lang="es-ES_tradnl" sz="2700" dirty="0" smtClean="0"/>
+              <a:t>bookListPage.html</a:t>
+            </a:r>
+            <a:endParaRPr lang="en-US" sz="2700" dirty="0"/>
+          </a:p>
+        </p:txBody>
+      </p:sp>
+      <p:sp>
+        <p:nvSpPr>
+          <p:cNvPr id="5" name="Down Arrow 4"/>
+          <p:cNvSpPr/>
+          <p:nvPr/>
+        </p:nvSpPr>
+        <p:spPr>
+          <a:xfrm>
+            <a:off x="1998784" y="2086707"/>
+            <a:ext cx="351693" cy="539262"/>
+          </a:xfrm>
+          <a:prstGeom prst="downArrow">
+            <a:avLst/>
+          </a:prstGeom>
+          <a:solidFill>
+            <a:srgbClr val="B5CBE7"/>
+          </a:solidFill>
+          <a:ln>
+            <a:solidFill>
+              <a:srgbClr val="B5CBE7"/>
+            </a:solidFill>
+          </a:ln>
+        </p:spPr>
+        <p:style>
+          <a:lnRef idx="2">
+            <a:schemeClr val="accent1">
+              <a:shade val="50000"/>
+            </a:schemeClr>
+          </a:lnRef>
+          <a:fillRef idx="1">
+            <a:schemeClr val="accent1"/>
+          </a:fillRef>
+          <a:effectRef idx="0">
+            <a:schemeClr val="accent1"/>
+          </a:effectRef>
+          <a:fontRef idx="minor">
+            <a:schemeClr val="lt1"/>
+          </a:fontRef>
+        </p:style>
+        <p:txBody>
+          <a:bodyPr rtlCol="0" anchor="ctr"/>
+          <a:lstStyle/>
+          <a:p>
+            <a:pPr algn="ctr"/>
+            <a:endParaRPr lang="en-US"/>
+          </a:p>
+        </p:txBody>
+      </p:sp>
     </p:spTree>
     <p:extLst>
       <p:ext uri="{BB962C8B-B14F-4D97-AF65-F5344CB8AC3E}">
